--- a/binmap.pptx
+++ b/binmap.pptx
@@ -3342,62 +3342,12 @@
           <a:chExt cx="0" cy="0"/>
         </a:xfrm>
       </p:grpSpPr>
-      <p:sp>
-        <p:nvSpPr>
-          <p:cNvPr id="2" name="Title 1">
-            <a:extLst>
-              <a:ext uri="{FF2B5EF4-FFF2-40B4-BE49-F238E27FC236}">
-                <a16:creationId xmlns:a16="http://schemas.microsoft.com/office/drawing/2014/main" id="{11E2BC91-33CF-5BF9-9394-2571045CFADD}"/>
-              </a:ext>
-            </a:extLst>
-          </p:cNvPr>
-          <p:cNvSpPr>
-            <a:spLocks noGrp="1"/>
-          </p:cNvSpPr>
-          <p:nvPr>
-            <p:ph type="ctrTitle"/>
-          </p:nvPr>
-        </p:nvSpPr>
-        <p:spPr/>
-        <p:txBody>
-          <a:bodyPr/>
-          <a:lstStyle/>
-          <a:p>
-            <a:endParaRPr lang="en-SG"/>
-          </a:p>
-        </p:txBody>
-      </p:sp>
-      <p:sp>
-        <p:nvSpPr>
-          <p:cNvPr id="3" name="Subtitle 2">
-            <a:extLst>
-              <a:ext uri="{FF2B5EF4-FFF2-40B4-BE49-F238E27FC236}">
-                <a16:creationId xmlns:a16="http://schemas.microsoft.com/office/drawing/2014/main" id="{40199684-3057-A141-7AD5-389F04554A5D}"/>
-              </a:ext>
-            </a:extLst>
-          </p:cNvPr>
-          <p:cNvSpPr>
-            <a:spLocks noGrp="1"/>
-          </p:cNvSpPr>
-          <p:nvPr>
-            <p:ph type="subTitle" idx="1"/>
-          </p:nvPr>
-        </p:nvSpPr>
-        <p:spPr/>
-        <p:txBody>
-          <a:bodyPr/>
-          <a:lstStyle/>
-          <a:p>
-            <a:endParaRPr lang="en-SG"/>
-          </a:p>
-        </p:txBody>
-      </p:sp>
       <p:pic>
         <p:nvPicPr>
-          <p:cNvPr id="5" name="Picture 4">
-            <a:extLst>
-              <a:ext uri="{FF2B5EF4-FFF2-40B4-BE49-F238E27FC236}">
-                <a16:creationId xmlns:a16="http://schemas.microsoft.com/office/drawing/2014/main" id="{2416C7D6-256C-E2ED-7A23-5D8371BEB822}"/>
+          <p:cNvPr id="11" name="Picture 10">
+            <a:extLst>
+              <a:ext uri="{FF2B5EF4-FFF2-40B4-BE49-F238E27FC236}">
+                <a16:creationId xmlns:a16="http://schemas.microsoft.com/office/drawing/2014/main" id="{6D009006-FD6D-2DEA-4A2F-731783684462}"/>
               </a:ext>
             </a:extLst>
           </p:cNvPr>
@@ -3414,8 +3364,8 @@
         </p:blipFill>
         <p:spPr>
           <a:xfrm>
-            <a:off x="0" y="0"/>
-            <a:ext cx="12192000" cy="6852299"/>
+            <a:off x="1181286" y="662847"/>
+            <a:ext cx="7649643" cy="4239217"/>
           </a:xfrm>
           <a:prstGeom prst="rect">
             <a:avLst/>
@@ -3451,7 +3401,7 @@
         </p:blipFill>
         <p:spPr bwMode="auto">
           <a:xfrm flipH="1">
-            <a:off x="5006108" y="2109140"/>
+            <a:off x="5809961" y="2035697"/>
             <a:ext cx="286039" cy="286039"/>
           </a:xfrm>
           <a:prstGeom prst="rect">
@@ -3592,7 +3542,7 @@
         </p:blipFill>
         <p:spPr bwMode="auto">
           <a:xfrm>
-            <a:off x="5292147" y="2223307"/>
+            <a:off x="6061989" y="2084392"/>
             <a:ext cx="286039" cy="286039"/>
           </a:xfrm>
           <a:prstGeom prst="rect">
@@ -3686,7 +3636,7 @@
         </p:blipFill>
         <p:spPr bwMode="auto">
           <a:xfrm>
-            <a:off x="5578186" y="3912155"/>
+            <a:off x="6474114" y="4161537"/>
             <a:ext cx="286039" cy="286039"/>
           </a:xfrm>
           <a:prstGeom prst="rect">
